--- a/prosjekt2.pptx
+++ b/prosjekt2.pptx
@@ -108,6 +108,11 @@
       </a:defRPr>
     </a:lvl9pPr>
   </p:defaultTextStyle>
+  <p:extLst>
+    <p:ext uri="{EFAFB233-063F-42B5-8137-9DF3F51BA10A}">
+      <p15:sldGuideLst xmlns:p15="http://schemas.microsoft.com/office/powerpoint/2012/main"/>
+    </p:ext>
+  </p:extLst>
 </p:presentation>
 </file>
 
@@ -424,7 +429,7 @@
           <a:p>
             <a:fld id="{1E351CED-465B-40B5-ADCE-957C918F227B}" type="datetimeFigureOut">
               <a:rPr lang="en-US" smtClean="0"/>
-              <a:t>12/9/2022</a:t>
+              <a:t>12/11/2022</a:t>
             </a:fld>
             <a:endParaRPr lang="en-US"/>
           </a:p>
@@ -632,7 +637,7 @@
           <a:p>
             <a:fld id="{1E351CED-465B-40B5-ADCE-957C918F227B}" type="datetimeFigureOut">
               <a:rPr lang="en-US" smtClean="0"/>
-              <a:t>12/9/2022</a:t>
+              <a:t>12/11/2022</a:t>
             </a:fld>
             <a:endParaRPr lang="en-US"/>
           </a:p>
@@ -842,7 +847,7 @@
           <a:p>
             <a:fld id="{1E351CED-465B-40B5-ADCE-957C918F227B}" type="datetimeFigureOut">
               <a:rPr lang="en-US" smtClean="0"/>
-              <a:t>12/9/2022</a:t>
+              <a:t>12/11/2022</a:t>
             </a:fld>
             <a:endParaRPr lang="en-US"/>
           </a:p>
@@ -1042,7 +1047,7 @@
           <a:p>
             <a:fld id="{1E351CED-465B-40B5-ADCE-957C918F227B}" type="datetimeFigureOut">
               <a:rPr lang="en-US" smtClean="0"/>
-              <a:t>12/9/2022</a:t>
+              <a:t>12/11/2022</a:t>
             </a:fld>
             <a:endParaRPr lang="en-US"/>
           </a:p>
@@ -1620,7 +1625,7 @@
           <a:p>
             <a:fld id="{1E351CED-465B-40B5-ADCE-957C918F227B}" type="datetimeFigureOut">
               <a:rPr lang="en-US" smtClean="0"/>
-              <a:t>12/9/2022</a:t>
+              <a:t>12/11/2022</a:t>
             </a:fld>
             <a:endParaRPr lang="en-US"/>
           </a:p>
@@ -1893,7 +1898,7 @@
           <a:p>
             <a:fld id="{1E351CED-465B-40B5-ADCE-957C918F227B}" type="datetimeFigureOut">
               <a:rPr lang="en-US" smtClean="0"/>
-              <a:t>12/9/2022</a:t>
+              <a:t>12/11/2022</a:t>
             </a:fld>
             <a:endParaRPr lang="en-US"/>
           </a:p>
@@ -2310,7 +2315,7 @@
           <a:p>
             <a:fld id="{1E351CED-465B-40B5-ADCE-957C918F227B}" type="datetimeFigureOut">
               <a:rPr lang="en-US" smtClean="0"/>
-              <a:t>12/9/2022</a:t>
+              <a:t>12/11/2022</a:t>
             </a:fld>
             <a:endParaRPr lang="en-US"/>
           </a:p>
@@ -2457,7 +2462,7 @@
           <a:p>
             <a:fld id="{1E351CED-465B-40B5-ADCE-957C918F227B}" type="datetimeFigureOut">
               <a:rPr lang="en-US" smtClean="0"/>
-              <a:t>12/9/2022</a:t>
+              <a:t>12/11/2022</a:t>
             </a:fld>
             <a:endParaRPr lang="en-US"/>
           </a:p>
@@ -2570,7 +2575,7 @@
           <a:p>
             <a:fld id="{1E351CED-465B-40B5-ADCE-957C918F227B}" type="datetimeFigureOut">
               <a:rPr lang="en-US" smtClean="0"/>
-              <a:t>12/9/2022</a:t>
+              <a:t>12/11/2022</a:t>
             </a:fld>
             <a:endParaRPr lang="en-US"/>
           </a:p>
@@ -2885,7 +2890,7 @@
           <a:p>
             <a:fld id="{1E351CED-465B-40B5-ADCE-957C918F227B}" type="datetimeFigureOut">
               <a:rPr lang="en-US" smtClean="0"/>
-              <a:t>12/9/2022</a:t>
+              <a:t>12/11/2022</a:t>
             </a:fld>
             <a:endParaRPr lang="en-US"/>
           </a:p>
@@ -3179,7 +3184,7 @@
           <a:p>
             <a:fld id="{1E351CED-465B-40B5-ADCE-957C918F227B}" type="datetimeFigureOut">
               <a:rPr lang="en-US" smtClean="0"/>
-              <a:t>12/9/2022</a:t>
+              <a:t>12/11/2022</a:t>
             </a:fld>
             <a:endParaRPr lang="en-US"/>
           </a:p>
@@ -3420,7 +3425,7 @@
           <a:p>
             <a:fld id="{1E351CED-465B-40B5-ADCE-957C918F227B}" type="datetimeFigureOut">
               <a:rPr lang="en-US" smtClean="0"/>
-              <a:t>12/9/2022</a:t>
+              <a:t>12/11/2022</a:t>
             </a:fld>
             <a:endParaRPr lang="en-US"/>
           </a:p>
@@ -3912,7 +3917,7 @@
                   <a:spcPts val="600"/>
                 </a:spcAft>
               </a:pPr>
-              <a:t>12/9/2022</a:t>
+              <a:t>12/11/2022</a:t>
             </a:fld>
             <a:endParaRPr lang="en-US" dirty="0">
               <a:solidFill>
@@ -4646,7 +4651,7 @@
                   <a:spcPts val="600"/>
                 </a:spcAft>
               </a:pPr>
-              <a:t>12/9/2022</a:t>
+              <a:t>12/11/2022</a:t>
             </a:fld>
             <a:endParaRPr lang="en-US"/>
           </a:p>
@@ -4896,7 +4901,7 @@
                   <a:spcPts val="600"/>
                 </a:spcAft>
               </a:pPr>
-              <a:t>12/9/2022</a:t>
+              <a:t>12/11/2022</a:t>
             </a:fld>
             <a:endParaRPr lang="en-US"/>
           </a:p>
@@ -5254,8 +5259,8 @@
         </p:nvSpPr>
         <p:spPr>
           <a:xfrm>
-            <a:off x="927102" y="1878998"/>
-            <a:ext cx="7727948" cy="3296252"/>
+            <a:off x="927101" y="1878998"/>
+            <a:ext cx="10687833" cy="3296252"/>
           </a:xfrm>
         </p:spPr>
         <p:txBody>
@@ -5318,7 +5323,18 @@
               <a:rPr lang="nb-NO" dirty="0" err="1"/>
               <a:t>tail</a:t>
             </a:r>
-            <a:endParaRPr lang="nb-NO" dirty="0"/>
+            <a:r>
+              <a:rPr lang="nb-NO" dirty="0"/>
+              <a:t> i </a:t>
+            </a:r>
+            <a:r>
+              <a:rPr lang="nb-NO" dirty="0" err="1"/>
+              <a:t>append</a:t>
+            </a:r>
+            <a:r>
+              <a:rPr lang="nb-NO" dirty="0"/>
+              <a:t> (forrige slide)</a:t>
+            </a:r>
           </a:p>
           <a:p>
             <a:pPr marL="342900" indent="-342900">
